--- a/ps7/figures.pptx
+++ b/ps7/figures.pptx
@@ -6,6 +6,8 @@
   </p:sldMasterIdLst>
   <p:sldIdLst>
     <p:sldId id="260" r:id="rId2"/>
+    <p:sldId id="261" r:id="rId3"/>
+    <p:sldId id="262" r:id="rId4"/>
   </p:sldIdLst>
   <p:sldSz cx="12192000" cy="6858000"/>
   <p:notesSz cx="6858000" cy="9144000"/>
@@ -2977,7 +2979,7 @@
         </p:nvSpPr>
         <p:spPr>
           <a:xfrm>
-            <a:off x="3740161" y="2721753"/>
+            <a:off x="3740161" y="2976583"/>
             <a:ext cx="717452" cy="717452"/>
           </a:xfrm>
           <a:prstGeom prst="ellipse">
@@ -3034,7 +3036,7 @@
         </p:nvSpPr>
         <p:spPr>
           <a:xfrm>
-            <a:off x="3740161" y="787617"/>
+            <a:off x="3740161" y="1042447"/>
             <a:ext cx="717452" cy="717452"/>
           </a:xfrm>
           <a:prstGeom prst="ellipse">
@@ -3084,7 +3086,7 @@
         </p:nvSpPr>
         <p:spPr>
           <a:xfrm>
-            <a:off x="1963480" y="4039427"/>
+            <a:off x="1963480" y="4294257"/>
             <a:ext cx="717452" cy="717452"/>
           </a:xfrm>
           <a:prstGeom prst="ellipse">
@@ -3134,7 +3136,7 @@
         </p:nvSpPr>
         <p:spPr>
           <a:xfrm>
-            <a:off x="5627297" y="3934359"/>
+            <a:off x="5627297" y="4189189"/>
             <a:ext cx="717452" cy="717452"/>
           </a:xfrm>
           <a:prstGeom prst="ellipse">
@@ -3187,7 +3189,7 @@
         </p:nvCxnSpPr>
         <p:spPr>
           <a:xfrm flipH="1">
-            <a:off x="2575864" y="3334137"/>
+            <a:off x="2575864" y="3588967"/>
             <a:ext cx="1269365" cy="810358"/>
           </a:xfrm>
           <a:prstGeom prst="straightConnector1">
@@ -3227,7 +3229,7 @@
         </p:nvCxnSpPr>
         <p:spPr>
           <a:xfrm flipV="1">
-            <a:off x="4098887" y="1505069"/>
+            <a:off x="4098887" y="1759899"/>
             <a:ext cx="0" cy="1216684"/>
           </a:xfrm>
           <a:prstGeom prst="straightConnector1">
@@ -3267,7 +3269,7 @@
         </p:nvCxnSpPr>
         <p:spPr>
           <a:xfrm>
-            <a:off x="4352545" y="3334137"/>
+            <a:off x="4352545" y="3588967"/>
             <a:ext cx="1379820" cy="705290"/>
           </a:xfrm>
           <a:prstGeom prst="straightConnector1">
@@ -3306,7 +3308,7 @@
         </p:nvCxnSpPr>
         <p:spPr>
           <a:xfrm flipH="1">
-            <a:off x="1281426" y="4651811"/>
+            <a:off x="1281426" y="4906641"/>
             <a:ext cx="787122" cy="810358"/>
           </a:xfrm>
           <a:prstGeom prst="straightConnector1">
@@ -3345,7 +3347,7 @@
         </p:nvCxnSpPr>
         <p:spPr>
           <a:xfrm>
-            <a:off x="6239681" y="4546743"/>
+            <a:off x="6239681" y="4801573"/>
             <a:ext cx="787122" cy="591136"/>
           </a:xfrm>
           <a:prstGeom prst="straightConnector1">
@@ -3384,7 +3386,7 @@
         </p:nvCxnSpPr>
         <p:spPr>
           <a:xfrm flipV="1">
-            <a:off x="4098887" y="-119921"/>
+            <a:off x="4098887" y="134909"/>
             <a:ext cx="0" cy="907538"/>
           </a:xfrm>
           <a:prstGeom prst="straightConnector1">
@@ -3421,7 +3423,7 @@
         </p:nvSpPr>
         <p:spPr>
           <a:xfrm>
-            <a:off x="1262852" y="338750"/>
+            <a:off x="1262852" y="593580"/>
             <a:ext cx="5651291" cy="5651291"/>
           </a:xfrm>
           <a:prstGeom prst="ellipse">
@@ -3472,7 +3474,7 @@
         </p:nvSpPr>
         <p:spPr>
           <a:xfrm>
-            <a:off x="6110106" y="787617"/>
+            <a:off x="6110106" y="1042447"/>
             <a:ext cx="4394344" cy="553998"/>
           </a:xfrm>
           <a:prstGeom prst="rect">
@@ -3502,7 +3504,7 @@
         </p:nvSpPr>
         <p:spPr>
           <a:xfrm>
-            <a:off x="4457613" y="2630317"/>
+            <a:off x="4457613" y="2885147"/>
             <a:ext cx="417102" cy="553998"/>
           </a:xfrm>
           <a:prstGeom prst="rect">
@@ -3532,7 +3534,7 @@
         </p:nvSpPr>
         <p:spPr>
           <a:xfrm>
-            <a:off x="2680932" y="4479880"/>
+            <a:off x="2680932" y="4734710"/>
             <a:ext cx="407484" cy="553998"/>
           </a:xfrm>
           <a:prstGeom prst="rect">
@@ -3562,7 +3564,7 @@
         </p:nvSpPr>
         <p:spPr>
           <a:xfrm>
-            <a:off x="6979152" y="4702186"/>
+            <a:off x="6979152" y="4957016"/>
             <a:ext cx="937212" cy="861774"/>
           </a:xfrm>
           <a:prstGeom prst="rect">
@@ -3592,7 +3594,7 @@
         </p:nvSpPr>
         <p:spPr>
           <a:xfrm>
-            <a:off x="8735572" y="5033878"/>
+            <a:off x="8735572" y="5288708"/>
             <a:ext cx="717452" cy="717452"/>
           </a:xfrm>
           <a:prstGeom prst="ellipse">
@@ -3644,7 +3646,7 @@
         </p:nvCxnSpPr>
         <p:spPr>
           <a:xfrm flipV="1">
-            <a:off x="7737193" y="5392604"/>
+            <a:off x="7737193" y="5647434"/>
             <a:ext cx="998379" cy="23341"/>
           </a:xfrm>
           <a:prstGeom prst="straightConnector1">
@@ -3683,7 +3685,7 @@
         </p:nvCxnSpPr>
         <p:spPr>
           <a:xfrm flipV="1">
-            <a:off x="9347956" y="4651811"/>
+            <a:off x="9347956" y="4906641"/>
             <a:ext cx="575533" cy="487135"/>
           </a:xfrm>
           <a:prstGeom prst="straightConnector1">
@@ -3722,7 +3724,7 @@
         </p:nvCxnSpPr>
         <p:spPr>
           <a:xfrm>
-            <a:off x="9347956" y="5646262"/>
+            <a:off x="9347956" y="5901092"/>
             <a:ext cx="455611" cy="343779"/>
           </a:xfrm>
           <a:prstGeom prst="straightConnector1">
@@ -3759,7 +3761,7 @@
         </p:nvSpPr>
         <p:spPr>
           <a:xfrm>
-            <a:off x="8589929" y="4479880"/>
+            <a:off x="8589929" y="4734710"/>
             <a:ext cx="389850" cy="553998"/>
           </a:xfrm>
           <a:prstGeom prst="rect">
@@ -3791,6 +3793,947 @@
   <p:clrMapOvr>
     <a:masterClrMapping/>
   </p:clrMapOvr>
+  <p:timing>
+    <p:tnLst>
+      <p:par>
+        <p:cTn id="1" dur="indefinite" restart="never" nodeType="tmRoot"/>
+      </p:par>
+    </p:tnLst>
+  </p:timing>
+</p:sld>
+</file>
+
+<file path=ppt/slides/slide2.xml><?xml version="1.0" encoding="utf-8"?>
+<p:sld xmlns:a="http://schemas.openxmlformats.org/drawingml/2006/main" xmlns:r="http://schemas.openxmlformats.org/officeDocument/2006/relationships" xmlns:p="http://schemas.openxmlformats.org/presentationml/2006/main">
+  <p:cSld>
+    <p:spTree>
+      <p:nvGrpSpPr>
+        <p:cNvPr id="1" name=""/>
+        <p:cNvGrpSpPr/>
+        <p:nvPr/>
+      </p:nvGrpSpPr>
+      <p:grpSpPr>
+        <a:xfrm>
+          <a:off x="0" y="0"/>
+          <a:ext cx="0" cy="0"/>
+          <a:chOff x="0" y="0"/>
+          <a:chExt cx="0" cy="0"/>
+        </a:xfrm>
+      </p:grpSpPr>
+      <p:sp>
+        <p:nvSpPr>
+          <p:cNvPr id="4" name="Oval 3"/>
+          <p:cNvSpPr/>
+          <p:nvPr/>
+        </p:nvSpPr>
+        <p:spPr>
+          <a:xfrm>
+            <a:off x="1939716" y="3048989"/>
+            <a:ext cx="848453" cy="848453"/>
+          </a:xfrm>
+          <a:prstGeom prst="ellipse">
+            <a:avLst/>
+          </a:prstGeom>
+          <a:noFill/>
+          <a:ln w="25400">
+            <a:solidFill>
+              <a:schemeClr val="tx1"/>
+            </a:solidFill>
+          </a:ln>
+        </p:spPr>
+        <p:style>
+          <a:lnRef idx="2">
+            <a:schemeClr val="accent1">
+              <a:shade val="50000"/>
+            </a:schemeClr>
+          </a:lnRef>
+          <a:fillRef idx="1">
+            <a:schemeClr val="accent1"/>
+          </a:fillRef>
+          <a:effectRef idx="0">
+            <a:schemeClr val="accent1"/>
+          </a:effectRef>
+          <a:fontRef idx="minor">
+            <a:schemeClr val="lt1"/>
+          </a:fontRef>
+        </p:style>
+        <p:txBody>
+          <a:bodyPr rtlCol="0" anchor="ctr"/>
+          <a:lstStyle/>
+          <a:p>
+            <a:pPr algn="ctr"/>
+            <a:r>
+              <a:rPr lang="en-US" sz="4000" dirty="0" smtClean="0">
+                <a:solidFill>
+                  <a:schemeClr val="tx1"/>
+                </a:solidFill>
+              </a:rPr>
+              <a:t>x</a:t>
+            </a:r>
+            <a:r>
+              <a:rPr lang="en-US" sz="4000" baseline="-25000" dirty="0" smtClean="0">
+                <a:solidFill>
+                  <a:schemeClr val="tx1"/>
+                </a:solidFill>
+              </a:rPr>
+              <a:t>1</a:t>
+            </a:r>
+            <a:endParaRPr lang="en-US" sz="4000" dirty="0">
+              <a:solidFill>
+                <a:schemeClr val="tx1"/>
+              </a:solidFill>
+            </a:endParaRPr>
+          </a:p>
+        </p:txBody>
+      </p:sp>
+      <p:sp>
+        <p:nvSpPr>
+          <p:cNvPr id="5" name="Oval 4"/>
+          <p:cNvSpPr/>
+          <p:nvPr/>
+        </p:nvSpPr>
+        <p:spPr>
+          <a:xfrm>
+            <a:off x="3366280" y="3048989"/>
+            <a:ext cx="848453" cy="848453"/>
+          </a:xfrm>
+          <a:prstGeom prst="ellipse">
+            <a:avLst/>
+          </a:prstGeom>
+          <a:noFill/>
+          <a:ln w="25400">
+            <a:solidFill>
+              <a:schemeClr val="tx1"/>
+            </a:solidFill>
+          </a:ln>
+        </p:spPr>
+        <p:style>
+          <a:lnRef idx="2">
+            <a:schemeClr val="accent1">
+              <a:shade val="50000"/>
+            </a:schemeClr>
+          </a:lnRef>
+          <a:fillRef idx="1">
+            <a:schemeClr val="accent1"/>
+          </a:fillRef>
+          <a:effectRef idx="0">
+            <a:schemeClr val="accent1"/>
+          </a:effectRef>
+          <a:fontRef idx="minor">
+            <a:schemeClr val="lt1"/>
+          </a:fontRef>
+        </p:style>
+        <p:txBody>
+          <a:bodyPr rtlCol="0" anchor="ctr"/>
+          <a:lstStyle/>
+          <a:p>
+            <a:pPr algn="ctr"/>
+            <a:r>
+              <a:rPr lang="en-US" sz="4000" dirty="0" smtClean="0">
+                <a:solidFill>
+                  <a:schemeClr val="tx1"/>
+                </a:solidFill>
+              </a:rPr>
+              <a:t>x</a:t>
+            </a:r>
+            <a:r>
+              <a:rPr lang="en-US" sz="4000" baseline="-25000" dirty="0">
+                <a:solidFill>
+                  <a:schemeClr val="tx1"/>
+                </a:solidFill>
+              </a:rPr>
+              <a:t>2</a:t>
+            </a:r>
+            <a:endParaRPr lang="en-US" sz="4000" dirty="0">
+              <a:solidFill>
+                <a:schemeClr val="tx1"/>
+              </a:solidFill>
+            </a:endParaRPr>
+          </a:p>
+        </p:txBody>
+      </p:sp>
+      <p:sp>
+        <p:nvSpPr>
+          <p:cNvPr id="6" name="Oval 5"/>
+          <p:cNvSpPr/>
+          <p:nvPr/>
+        </p:nvSpPr>
+        <p:spPr>
+          <a:xfrm>
+            <a:off x="4792844" y="3063979"/>
+            <a:ext cx="848453" cy="848453"/>
+          </a:xfrm>
+          <a:prstGeom prst="ellipse">
+            <a:avLst/>
+          </a:prstGeom>
+          <a:noFill/>
+          <a:ln w="25400">
+            <a:solidFill>
+              <a:schemeClr val="tx1"/>
+            </a:solidFill>
+          </a:ln>
+        </p:spPr>
+        <p:style>
+          <a:lnRef idx="2">
+            <a:schemeClr val="accent1">
+              <a:shade val="50000"/>
+            </a:schemeClr>
+          </a:lnRef>
+          <a:fillRef idx="1">
+            <a:schemeClr val="accent1"/>
+          </a:fillRef>
+          <a:effectRef idx="0">
+            <a:schemeClr val="accent1"/>
+          </a:effectRef>
+          <a:fontRef idx="minor">
+            <a:schemeClr val="lt1"/>
+          </a:fontRef>
+        </p:style>
+        <p:txBody>
+          <a:bodyPr rtlCol="0" anchor="ctr"/>
+          <a:lstStyle/>
+          <a:p>
+            <a:pPr algn="ctr"/>
+            <a:r>
+              <a:rPr lang="en-US" sz="4000" dirty="0" smtClean="0">
+                <a:solidFill>
+                  <a:schemeClr val="tx1"/>
+                </a:solidFill>
+              </a:rPr>
+              <a:t>x</a:t>
+            </a:r>
+            <a:r>
+              <a:rPr lang="en-US" sz="4000" baseline="-25000" dirty="0">
+                <a:solidFill>
+                  <a:schemeClr val="tx1"/>
+                </a:solidFill>
+              </a:rPr>
+              <a:t>3</a:t>
+            </a:r>
+            <a:endParaRPr lang="en-US" sz="4000" dirty="0">
+              <a:solidFill>
+                <a:schemeClr val="tx1"/>
+              </a:solidFill>
+            </a:endParaRPr>
+          </a:p>
+        </p:txBody>
+      </p:sp>
+      <p:sp>
+        <p:nvSpPr>
+          <p:cNvPr id="7" name="Oval 6"/>
+          <p:cNvSpPr/>
+          <p:nvPr/>
+        </p:nvSpPr>
+        <p:spPr>
+          <a:xfrm>
+            <a:off x="6219408" y="3048989"/>
+            <a:ext cx="848453" cy="848453"/>
+          </a:xfrm>
+          <a:prstGeom prst="ellipse">
+            <a:avLst/>
+          </a:prstGeom>
+          <a:noFill/>
+          <a:ln w="25400">
+            <a:solidFill>
+              <a:schemeClr val="tx1"/>
+            </a:solidFill>
+          </a:ln>
+        </p:spPr>
+        <p:style>
+          <a:lnRef idx="2">
+            <a:schemeClr val="accent1">
+              <a:shade val="50000"/>
+            </a:schemeClr>
+          </a:lnRef>
+          <a:fillRef idx="1">
+            <a:schemeClr val="accent1"/>
+          </a:fillRef>
+          <a:effectRef idx="0">
+            <a:schemeClr val="accent1"/>
+          </a:effectRef>
+          <a:fontRef idx="minor">
+            <a:schemeClr val="lt1"/>
+          </a:fontRef>
+        </p:style>
+        <p:txBody>
+          <a:bodyPr rtlCol="0" anchor="ctr"/>
+          <a:lstStyle/>
+          <a:p>
+            <a:pPr algn="ctr"/>
+            <a:r>
+              <a:rPr lang="en-US" sz="4000" dirty="0" smtClean="0">
+                <a:solidFill>
+                  <a:schemeClr val="tx1"/>
+                </a:solidFill>
+              </a:rPr>
+              <a:t>x</a:t>
+            </a:r>
+            <a:r>
+              <a:rPr lang="en-US" sz="4000" baseline="-25000" dirty="0">
+                <a:solidFill>
+                  <a:schemeClr val="tx1"/>
+                </a:solidFill>
+              </a:rPr>
+              <a:t>4</a:t>
+            </a:r>
+            <a:endParaRPr lang="en-US" sz="4000" dirty="0">
+              <a:solidFill>
+                <a:schemeClr val="tx1"/>
+              </a:solidFill>
+            </a:endParaRPr>
+          </a:p>
+        </p:txBody>
+      </p:sp>
+    </p:spTree>
+    <p:extLst>
+      <p:ext uri="{BB962C8B-B14F-4D97-AF65-F5344CB8AC3E}">
+        <p14:creationId xmlns:p14="http://schemas.microsoft.com/office/powerpoint/2010/main" val="383323564"/>
+      </p:ext>
+    </p:extLst>
+  </p:cSld>
+  <p:clrMapOvr>
+    <a:masterClrMapping/>
+  </p:clrMapOvr>
+  <p:timing>
+    <p:tnLst>
+      <p:par>
+        <p:cTn id="1" dur="indefinite" restart="never" nodeType="tmRoot"/>
+      </p:par>
+    </p:tnLst>
+  </p:timing>
+</p:sld>
+</file>
+
+<file path=ppt/slides/slide3.xml><?xml version="1.0" encoding="utf-8"?>
+<p:sld xmlns:a="http://schemas.openxmlformats.org/drawingml/2006/main" xmlns:r="http://schemas.openxmlformats.org/officeDocument/2006/relationships" xmlns:p="http://schemas.openxmlformats.org/presentationml/2006/main">
+  <p:cSld>
+    <p:spTree>
+      <p:nvGrpSpPr>
+        <p:cNvPr id="1" name=""/>
+        <p:cNvGrpSpPr/>
+        <p:nvPr/>
+      </p:nvGrpSpPr>
+      <p:grpSpPr>
+        <a:xfrm>
+          <a:off x="0" y="0"/>
+          <a:ext cx="0" cy="0"/>
+          <a:chOff x="0" y="0"/>
+          <a:chExt cx="0" cy="0"/>
+        </a:xfrm>
+      </p:grpSpPr>
+      <p:sp>
+        <p:nvSpPr>
+          <p:cNvPr id="4" name="Oval 3"/>
+          <p:cNvSpPr/>
+          <p:nvPr/>
+        </p:nvSpPr>
+        <p:spPr>
+          <a:xfrm>
+            <a:off x="3978378" y="1999677"/>
+            <a:ext cx="848453" cy="848453"/>
+          </a:xfrm>
+          <a:prstGeom prst="ellipse">
+            <a:avLst/>
+          </a:prstGeom>
+          <a:noFill/>
+          <a:ln w="25400">
+            <a:solidFill>
+              <a:schemeClr val="tx1"/>
+            </a:solidFill>
+          </a:ln>
+        </p:spPr>
+        <p:style>
+          <a:lnRef idx="2">
+            <a:schemeClr val="accent1">
+              <a:shade val="50000"/>
+            </a:schemeClr>
+          </a:lnRef>
+          <a:fillRef idx="1">
+            <a:schemeClr val="accent1"/>
+          </a:fillRef>
+          <a:effectRef idx="0">
+            <a:schemeClr val="accent1"/>
+          </a:effectRef>
+          <a:fontRef idx="minor">
+            <a:schemeClr val="lt1"/>
+          </a:fontRef>
+        </p:style>
+        <p:txBody>
+          <a:bodyPr rtlCol="0" anchor="ctr"/>
+          <a:lstStyle/>
+          <a:p>
+            <a:pPr algn="ctr"/>
+            <a:r>
+              <a:rPr lang="en-US" sz="4000" dirty="0" smtClean="0">
+                <a:solidFill>
+                  <a:schemeClr val="tx1"/>
+                </a:solidFill>
+              </a:rPr>
+              <a:t>x</a:t>
+            </a:r>
+            <a:r>
+              <a:rPr lang="en-US" sz="4000" baseline="-25000" dirty="0" smtClean="0">
+                <a:solidFill>
+                  <a:schemeClr val="tx1"/>
+                </a:solidFill>
+              </a:rPr>
+              <a:t>1</a:t>
+            </a:r>
+            <a:endParaRPr lang="en-US" sz="4000" dirty="0">
+              <a:solidFill>
+                <a:schemeClr val="tx1"/>
+              </a:solidFill>
+            </a:endParaRPr>
+          </a:p>
+        </p:txBody>
+      </p:sp>
+      <p:sp>
+        <p:nvSpPr>
+          <p:cNvPr id="5" name="Oval 4"/>
+          <p:cNvSpPr/>
+          <p:nvPr/>
+        </p:nvSpPr>
+        <p:spPr>
+          <a:xfrm>
+            <a:off x="5404942" y="1999677"/>
+            <a:ext cx="848453" cy="848453"/>
+          </a:xfrm>
+          <a:prstGeom prst="ellipse">
+            <a:avLst/>
+          </a:prstGeom>
+          <a:noFill/>
+          <a:ln w="25400">
+            <a:solidFill>
+              <a:schemeClr val="tx1"/>
+            </a:solidFill>
+          </a:ln>
+        </p:spPr>
+        <p:style>
+          <a:lnRef idx="2">
+            <a:schemeClr val="accent1">
+              <a:shade val="50000"/>
+            </a:schemeClr>
+          </a:lnRef>
+          <a:fillRef idx="1">
+            <a:schemeClr val="accent1"/>
+          </a:fillRef>
+          <a:effectRef idx="0">
+            <a:schemeClr val="accent1"/>
+          </a:effectRef>
+          <a:fontRef idx="minor">
+            <a:schemeClr val="lt1"/>
+          </a:fontRef>
+        </p:style>
+        <p:txBody>
+          <a:bodyPr rtlCol="0" anchor="ctr"/>
+          <a:lstStyle/>
+          <a:p>
+            <a:pPr algn="ctr"/>
+            <a:r>
+              <a:rPr lang="en-US" sz="4000" dirty="0" smtClean="0">
+                <a:solidFill>
+                  <a:schemeClr val="tx1"/>
+                </a:solidFill>
+              </a:rPr>
+              <a:t>x</a:t>
+            </a:r>
+            <a:r>
+              <a:rPr lang="en-US" sz="4000" baseline="-25000" dirty="0">
+                <a:solidFill>
+                  <a:schemeClr val="tx1"/>
+                </a:solidFill>
+              </a:rPr>
+              <a:t>3</a:t>
+            </a:r>
+            <a:endParaRPr lang="en-US" sz="4000" dirty="0">
+              <a:solidFill>
+                <a:schemeClr val="tx1"/>
+              </a:solidFill>
+            </a:endParaRPr>
+          </a:p>
+        </p:txBody>
+      </p:sp>
+      <p:sp>
+        <p:nvSpPr>
+          <p:cNvPr id="6" name="Oval 5"/>
+          <p:cNvSpPr/>
+          <p:nvPr/>
+        </p:nvSpPr>
+        <p:spPr>
+          <a:xfrm>
+            <a:off x="6831506" y="1999677"/>
+            <a:ext cx="848453" cy="848453"/>
+          </a:xfrm>
+          <a:prstGeom prst="ellipse">
+            <a:avLst/>
+          </a:prstGeom>
+          <a:noFill/>
+          <a:ln w="25400">
+            <a:solidFill>
+              <a:schemeClr val="tx1"/>
+            </a:solidFill>
+          </a:ln>
+        </p:spPr>
+        <p:style>
+          <a:lnRef idx="2">
+            <a:schemeClr val="accent1">
+              <a:shade val="50000"/>
+            </a:schemeClr>
+          </a:lnRef>
+          <a:fillRef idx="1">
+            <a:schemeClr val="accent1"/>
+          </a:fillRef>
+          <a:effectRef idx="0">
+            <a:schemeClr val="accent1"/>
+          </a:effectRef>
+          <a:fontRef idx="minor">
+            <a:schemeClr val="lt1"/>
+          </a:fontRef>
+        </p:style>
+        <p:txBody>
+          <a:bodyPr rtlCol="0" anchor="ctr"/>
+          <a:lstStyle/>
+          <a:p>
+            <a:pPr algn="ctr"/>
+            <a:r>
+              <a:rPr lang="en-US" sz="4000" dirty="0" smtClean="0">
+                <a:solidFill>
+                  <a:schemeClr val="tx1"/>
+                </a:solidFill>
+              </a:rPr>
+              <a:t>x</a:t>
+            </a:r>
+            <a:r>
+              <a:rPr lang="en-US" sz="4000" baseline="-25000" dirty="0">
+                <a:solidFill>
+                  <a:schemeClr val="tx1"/>
+                </a:solidFill>
+              </a:rPr>
+              <a:t>5</a:t>
+            </a:r>
+            <a:endParaRPr lang="en-US" sz="4000" dirty="0">
+              <a:solidFill>
+                <a:schemeClr val="tx1"/>
+              </a:solidFill>
+            </a:endParaRPr>
+          </a:p>
+        </p:txBody>
+      </p:sp>
+      <p:sp>
+        <p:nvSpPr>
+          <p:cNvPr id="8" name="Oval 7"/>
+          <p:cNvSpPr/>
+          <p:nvPr/>
+        </p:nvSpPr>
+        <p:spPr>
+          <a:xfrm>
+            <a:off x="3978378" y="3501192"/>
+            <a:ext cx="848453" cy="848453"/>
+          </a:xfrm>
+          <a:prstGeom prst="ellipse">
+            <a:avLst/>
+          </a:prstGeom>
+          <a:noFill/>
+          <a:ln w="25400">
+            <a:solidFill>
+              <a:schemeClr val="tx1"/>
+            </a:solidFill>
+          </a:ln>
+        </p:spPr>
+        <p:style>
+          <a:lnRef idx="2">
+            <a:schemeClr val="accent1">
+              <a:shade val="50000"/>
+            </a:schemeClr>
+          </a:lnRef>
+          <a:fillRef idx="1">
+            <a:schemeClr val="accent1"/>
+          </a:fillRef>
+          <a:effectRef idx="0">
+            <a:schemeClr val="accent1"/>
+          </a:effectRef>
+          <a:fontRef idx="minor">
+            <a:schemeClr val="lt1"/>
+          </a:fontRef>
+        </p:style>
+        <p:txBody>
+          <a:bodyPr rtlCol="0" anchor="ctr"/>
+          <a:lstStyle/>
+          <a:p>
+            <a:pPr algn="ctr"/>
+            <a:r>
+              <a:rPr lang="en-US" sz="4000" dirty="0" smtClean="0">
+                <a:solidFill>
+                  <a:schemeClr val="tx1"/>
+                </a:solidFill>
+              </a:rPr>
+              <a:t>x</a:t>
+            </a:r>
+            <a:r>
+              <a:rPr lang="en-US" sz="4000" baseline="-25000" dirty="0">
+                <a:solidFill>
+                  <a:schemeClr val="tx1"/>
+                </a:solidFill>
+              </a:rPr>
+              <a:t>2</a:t>
+            </a:r>
+            <a:endParaRPr lang="en-US" sz="4000" dirty="0">
+              <a:solidFill>
+                <a:schemeClr val="tx1"/>
+              </a:solidFill>
+            </a:endParaRPr>
+          </a:p>
+        </p:txBody>
+      </p:sp>
+      <p:sp>
+        <p:nvSpPr>
+          <p:cNvPr id="9" name="Oval 8"/>
+          <p:cNvSpPr/>
+          <p:nvPr/>
+        </p:nvSpPr>
+        <p:spPr>
+          <a:xfrm>
+            <a:off x="5404942" y="3501192"/>
+            <a:ext cx="848453" cy="848453"/>
+          </a:xfrm>
+          <a:prstGeom prst="ellipse">
+            <a:avLst/>
+          </a:prstGeom>
+          <a:noFill/>
+          <a:ln w="25400">
+            <a:solidFill>
+              <a:schemeClr val="tx1"/>
+            </a:solidFill>
+          </a:ln>
+        </p:spPr>
+        <p:style>
+          <a:lnRef idx="2">
+            <a:schemeClr val="accent1">
+              <a:shade val="50000"/>
+            </a:schemeClr>
+          </a:lnRef>
+          <a:fillRef idx="1">
+            <a:schemeClr val="accent1"/>
+          </a:fillRef>
+          <a:effectRef idx="0">
+            <a:schemeClr val="accent1"/>
+          </a:effectRef>
+          <a:fontRef idx="minor">
+            <a:schemeClr val="lt1"/>
+          </a:fontRef>
+        </p:style>
+        <p:txBody>
+          <a:bodyPr rtlCol="0" anchor="ctr"/>
+          <a:lstStyle/>
+          <a:p>
+            <a:pPr algn="ctr"/>
+            <a:r>
+              <a:rPr lang="en-US" sz="4000" dirty="0" smtClean="0">
+                <a:solidFill>
+                  <a:schemeClr val="tx1"/>
+                </a:solidFill>
+              </a:rPr>
+              <a:t>x</a:t>
+            </a:r>
+            <a:r>
+              <a:rPr lang="en-US" sz="4000" baseline="-25000" dirty="0">
+                <a:solidFill>
+                  <a:schemeClr val="tx1"/>
+                </a:solidFill>
+              </a:rPr>
+              <a:t>4</a:t>
+            </a:r>
+            <a:endParaRPr lang="en-US" sz="4000" dirty="0">
+              <a:solidFill>
+                <a:schemeClr val="tx1"/>
+              </a:solidFill>
+            </a:endParaRPr>
+          </a:p>
+        </p:txBody>
+      </p:sp>
+      <p:sp>
+        <p:nvSpPr>
+          <p:cNvPr id="10" name="Oval 9"/>
+          <p:cNvSpPr/>
+          <p:nvPr/>
+        </p:nvSpPr>
+        <p:spPr>
+          <a:xfrm>
+            <a:off x="6831506" y="3501192"/>
+            <a:ext cx="848453" cy="848453"/>
+          </a:xfrm>
+          <a:prstGeom prst="ellipse">
+            <a:avLst/>
+          </a:prstGeom>
+          <a:noFill/>
+          <a:ln w="25400">
+            <a:solidFill>
+              <a:schemeClr val="tx1"/>
+            </a:solidFill>
+          </a:ln>
+        </p:spPr>
+        <p:style>
+          <a:lnRef idx="2">
+            <a:schemeClr val="accent1">
+              <a:shade val="50000"/>
+            </a:schemeClr>
+          </a:lnRef>
+          <a:fillRef idx="1">
+            <a:schemeClr val="accent1"/>
+          </a:fillRef>
+          <a:effectRef idx="0">
+            <a:schemeClr val="accent1"/>
+          </a:effectRef>
+          <a:fontRef idx="minor">
+            <a:schemeClr val="lt1"/>
+          </a:fontRef>
+        </p:style>
+        <p:txBody>
+          <a:bodyPr rtlCol="0" anchor="ctr"/>
+          <a:lstStyle/>
+          <a:p>
+            <a:pPr algn="ctr"/>
+            <a:r>
+              <a:rPr lang="en-US" sz="4000" dirty="0" smtClean="0">
+                <a:solidFill>
+                  <a:schemeClr val="tx1"/>
+                </a:solidFill>
+              </a:rPr>
+              <a:t>x</a:t>
+            </a:r>
+            <a:r>
+              <a:rPr lang="en-US" sz="4000" baseline="-25000" dirty="0">
+                <a:solidFill>
+                  <a:schemeClr val="tx1"/>
+                </a:solidFill>
+              </a:rPr>
+              <a:t>6</a:t>
+            </a:r>
+            <a:endParaRPr lang="en-US" sz="4000" dirty="0">
+              <a:solidFill>
+                <a:schemeClr val="tx1"/>
+              </a:solidFill>
+            </a:endParaRPr>
+          </a:p>
+        </p:txBody>
+      </p:sp>
+      <p:cxnSp>
+        <p:nvCxnSpPr>
+          <p:cNvPr id="11" name="Straight Arrow Connector 10"/>
+          <p:cNvCxnSpPr>
+            <a:stCxn id="4" idx="4"/>
+            <a:endCxn id="8" idx="0"/>
+          </p:cNvCxnSpPr>
+          <p:nvPr/>
+        </p:nvCxnSpPr>
+        <p:spPr>
+          <a:xfrm>
+            <a:off x="4402605" y="2848130"/>
+            <a:ext cx="0" cy="653062"/>
+          </a:xfrm>
+          <a:prstGeom prst="straightConnector1">
+            <a:avLst/>
+          </a:prstGeom>
+          <a:ln w="25400">
+            <a:solidFill>
+              <a:schemeClr val="tx1"/>
+            </a:solidFill>
+            <a:prstDash val="solid"/>
+            <a:tailEnd type="triangle" w="lg" len="lg"/>
+          </a:ln>
+        </p:spPr>
+        <p:style>
+          <a:lnRef idx="1">
+            <a:schemeClr val="accent1"/>
+          </a:lnRef>
+          <a:fillRef idx="0">
+            <a:schemeClr val="accent1"/>
+          </a:fillRef>
+          <a:effectRef idx="0">
+            <a:schemeClr val="accent1"/>
+          </a:effectRef>
+          <a:fontRef idx="minor">
+            <a:schemeClr val="tx1"/>
+          </a:fontRef>
+        </p:style>
+      </p:cxnSp>
+      <p:cxnSp>
+        <p:nvCxnSpPr>
+          <p:cNvPr id="13" name="Straight Arrow Connector 12"/>
+          <p:cNvCxnSpPr>
+            <a:stCxn id="5" idx="4"/>
+            <a:endCxn id="9" idx="0"/>
+          </p:cNvCxnSpPr>
+          <p:nvPr/>
+        </p:nvCxnSpPr>
+        <p:spPr>
+          <a:xfrm>
+            <a:off x="5829169" y="2848130"/>
+            <a:ext cx="0" cy="653062"/>
+          </a:xfrm>
+          <a:prstGeom prst="straightConnector1">
+            <a:avLst/>
+          </a:prstGeom>
+          <a:ln w="25400">
+            <a:solidFill>
+              <a:schemeClr val="tx1"/>
+            </a:solidFill>
+            <a:prstDash val="solid"/>
+            <a:tailEnd type="triangle" w="lg" len="lg"/>
+          </a:ln>
+        </p:spPr>
+        <p:style>
+          <a:lnRef idx="1">
+            <a:schemeClr val="accent1"/>
+          </a:lnRef>
+          <a:fillRef idx="0">
+            <a:schemeClr val="accent1"/>
+          </a:fillRef>
+          <a:effectRef idx="0">
+            <a:schemeClr val="accent1"/>
+          </a:effectRef>
+          <a:fontRef idx="minor">
+            <a:schemeClr val="tx1"/>
+          </a:fontRef>
+        </p:style>
+      </p:cxnSp>
+      <p:cxnSp>
+        <p:nvCxnSpPr>
+          <p:cNvPr id="17" name="Straight Arrow Connector 16"/>
+          <p:cNvCxnSpPr>
+            <a:stCxn id="6" idx="4"/>
+            <a:endCxn id="10" idx="0"/>
+          </p:cNvCxnSpPr>
+          <p:nvPr/>
+        </p:nvCxnSpPr>
+        <p:spPr>
+          <a:xfrm>
+            <a:off x="7255733" y="2848130"/>
+            <a:ext cx="0" cy="653062"/>
+          </a:xfrm>
+          <a:prstGeom prst="straightConnector1">
+            <a:avLst/>
+          </a:prstGeom>
+          <a:ln w="25400">
+            <a:solidFill>
+              <a:schemeClr val="tx1"/>
+            </a:solidFill>
+            <a:prstDash val="solid"/>
+            <a:tailEnd type="triangle" w="lg" len="lg"/>
+          </a:ln>
+        </p:spPr>
+        <p:style>
+          <a:lnRef idx="1">
+            <a:schemeClr val="accent1"/>
+          </a:lnRef>
+          <a:fillRef idx="0">
+            <a:schemeClr val="accent1"/>
+          </a:fillRef>
+          <a:effectRef idx="0">
+            <a:schemeClr val="accent1"/>
+          </a:effectRef>
+          <a:fontRef idx="minor">
+            <a:schemeClr val="tx1"/>
+          </a:fontRef>
+        </p:style>
+      </p:cxnSp>
+      <p:cxnSp>
+        <p:nvCxnSpPr>
+          <p:cNvPr id="20" name="Straight Arrow Connector 19"/>
+          <p:cNvCxnSpPr>
+            <a:stCxn id="5" idx="2"/>
+            <a:endCxn id="4" idx="6"/>
+          </p:cNvCxnSpPr>
+          <p:nvPr/>
+        </p:nvCxnSpPr>
+        <p:spPr>
+          <a:xfrm flipH="1">
+            <a:off x="4826831" y="2423904"/>
+            <a:ext cx="578111" cy="0"/>
+          </a:xfrm>
+          <a:prstGeom prst="straightConnector1">
+            <a:avLst/>
+          </a:prstGeom>
+          <a:ln w="25400">
+            <a:solidFill>
+              <a:schemeClr val="tx1"/>
+            </a:solidFill>
+            <a:prstDash val="solid"/>
+            <a:tailEnd type="triangle" w="lg" len="lg"/>
+          </a:ln>
+        </p:spPr>
+        <p:style>
+          <a:lnRef idx="1">
+            <a:schemeClr val="accent1"/>
+          </a:lnRef>
+          <a:fillRef idx="0">
+            <a:schemeClr val="accent1"/>
+          </a:fillRef>
+          <a:effectRef idx="0">
+            <a:schemeClr val="accent1"/>
+          </a:effectRef>
+          <a:fontRef idx="minor">
+            <a:schemeClr val="tx1"/>
+          </a:fontRef>
+        </p:style>
+      </p:cxnSp>
+      <p:cxnSp>
+        <p:nvCxnSpPr>
+          <p:cNvPr id="23" name="Straight Arrow Connector 22"/>
+          <p:cNvCxnSpPr>
+            <a:stCxn id="5" idx="6"/>
+            <a:endCxn id="6" idx="2"/>
+          </p:cNvCxnSpPr>
+          <p:nvPr/>
+        </p:nvCxnSpPr>
+        <p:spPr>
+          <a:xfrm>
+            <a:off x="6253395" y="2423904"/>
+            <a:ext cx="578111" cy="0"/>
+          </a:xfrm>
+          <a:prstGeom prst="straightConnector1">
+            <a:avLst/>
+          </a:prstGeom>
+          <a:ln w="25400">
+            <a:solidFill>
+              <a:schemeClr val="tx1"/>
+            </a:solidFill>
+            <a:prstDash val="solid"/>
+            <a:tailEnd type="triangle" w="lg" len="lg"/>
+          </a:ln>
+        </p:spPr>
+        <p:style>
+          <a:lnRef idx="1">
+            <a:schemeClr val="accent1"/>
+          </a:lnRef>
+          <a:fillRef idx="0">
+            <a:schemeClr val="accent1"/>
+          </a:fillRef>
+          <a:effectRef idx="0">
+            <a:schemeClr val="accent1"/>
+          </a:effectRef>
+          <a:fontRef idx="minor">
+            <a:schemeClr val="tx1"/>
+          </a:fontRef>
+        </p:style>
+      </p:cxnSp>
+    </p:spTree>
+    <p:extLst>
+      <p:ext uri="{BB962C8B-B14F-4D97-AF65-F5344CB8AC3E}">
+        <p14:creationId xmlns:p14="http://schemas.microsoft.com/office/powerpoint/2010/main" val="742718991"/>
+      </p:ext>
+    </p:extLst>
+  </p:cSld>
+  <p:clrMapOvr>
+    <a:masterClrMapping/>
+  </p:clrMapOvr>
+  <p:timing>
+    <p:tnLst>
+      <p:par>
+        <p:cTn id="1" dur="indefinite" restart="never" nodeType="tmRoot"/>
+      </p:par>
+    </p:tnLst>
+  </p:timing>
 </p:sld>
 </file>
 
